--- a/source/files/AI-Cheatsheet-Midterm-Review/Midterm.pptx
+++ b/source/files/AI-Cheatsheet-Midterm-Review/Midterm.pptx
@@ -2988,8 +2988,8 @@
         </p:nvCxnSpPr>
         <p:spPr>
           <a:xfrm>
-            <a:off x="356136" y="0"/>
-            <a:ext cx="0" cy="10044113"/>
+            <a:off x="356136" y="309802"/>
+            <a:ext cx="0" cy="9449906"/>
           </a:xfrm>
           <a:prstGeom prst="line">
             <a:avLst/>
@@ -3024,13 +3024,15 @@
               </a:ext>
             </a:extLst>
           </p:cNvPr>
-          <p:cNvCxnSpPr/>
+          <p:cNvCxnSpPr>
+            <a:cxnSpLocks/>
+          </p:cNvCxnSpPr>
           <p:nvPr/>
         </p:nvCxnSpPr>
         <p:spPr>
           <a:xfrm>
-            <a:off x="7400222" y="0"/>
-            <a:ext cx="0" cy="10125777"/>
+            <a:off x="7400222" y="298450"/>
+            <a:ext cx="0" cy="9471819"/>
           </a:xfrm>
           <a:prstGeom prst="line">
             <a:avLst/>
@@ -3072,8 +3074,8 @@
         </p:nvCxnSpPr>
         <p:spPr>
           <a:xfrm>
-            <a:off x="2695074" y="0"/>
-            <a:ext cx="0" cy="10044113"/>
+            <a:off x="2695073" y="309802"/>
+            <a:ext cx="0" cy="9449906"/>
           </a:xfrm>
           <a:prstGeom prst="line">
             <a:avLst/>
@@ -3103,13 +3105,15 @@
               </a:ext>
             </a:extLst>
           </p:cNvPr>
-          <p:cNvCxnSpPr/>
+          <p:cNvCxnSpPr>
+            <a:cxnSpLocks/>
+          </p:cNvCxnSpPr>
           <p:nvPr/>
         </p:nvCxnSpPr>
         <p:spPr>
-          <a:xfrm>
-            <a:off x="5051659" y="-1600"/>
-            <a:ext cx="0" cy="10125777"/>
+          <a:xfrm flipH="1">
+            <a:off x="5050156" y="309802"/>
+            <a:ext cx="6540" cy="9449906"/>
           </a:xfrm>
           <a:prstGeom prst="line">
             <a:avLst/>
@@ -3139,13 +3143,15 @@
               </a:ext>
             </a:extLst>
           </p:cNvPr>
-          <p:cNvCxnSpPr/>
+          <p:cNvCxnSpPr>
+            <a:cxnSpLocks/>
+          </p:cNvCxnSpPr>
           <p:nvPr/>
         </p:nvCxnSpPr>
         <p:spPr>
           <a:xfrm>
-            <a:off x="-1" y="309802"/>
-            <a:ext cx="7775575" cy="0"/>
+            <a:off x="346512" y="309802"/>
+            <a:ext cx="7053709" cy="0"/>
           </a:xfrm>
           <a:prstGeom prst="line">
             <a:avLst/>
@@ -3187,8 +3193,8 @@
         </p:nvCxnSpPr>
         <p:spPr>
           <a:xfrm>
-            <a:off x="-1" y="9759708"/>
-            <a:ext cx="7775575" cy="0"/>
+            <a:off x="346512" y="9759708"/>
+            <a:ext cx="7053709" cy="0"/>
           </a:xfrm>
           <a:prstGeom prst="line">
             <a:avLst/>
@@ -8558,13 +8564,15 @@
               </a:ext>
             </a:extLst>
           </p:cNvPr>
-          <p:cNvCxnSpPr/>
+          <p:cNvCxnSpPr>
+            <a:cxnSpLocks/>
+          </p:cNvCxnSpPr>
           <p:nvPr/>
         </p:nvCxnSpPr>
         <p:spPr>
           <a:xfrm>
-            <a:off x="356136" y="0"/>
-            <a:ext cx="0" cy="10125777"/>
+            <a:off x="356135" y="296863"/>
+            <a:ext cx="0" cy="9454356"/>
           </a:xfrm>
           <a:prstGeom prst="line">
             <a:avLst/>
@@ -8599,13 +8607,15 @@
               </a:ext>
             </a:extLst>
           </p:cNvPr>
-          <p:cNvCxnSpPr/>
+          <p:cNvCxnSpPr>
+            <a:cxnSpLocks/>
+          </p:cNvCxnSpPr>
           <p:nvPr/>
         </p:nvCxnSpPr>
         <p:spPr>
           <a:xfrm>
-            <a:off x="7400222" y="0"/>
-            <a:ext cx="0" cy="10125777"/>
+            <a:off x="7400222" y="309801"/>
+            <a:ext cx="0" cy="9424510"/>
           </a:xfrm>
           <a:prstGeom prst="line">
             <a:avLst/>
@@ -8640,13 +8650,15 @@
               </a:ext>
             </a:extLst>
           </p:cNvPr>
-          <p:cNvCxnSpPr/>
+          <p:cNvCxnSpPr>
+            <a:cxnSpLocks/>
+          </p:cNvCxnSpPr>
           <p:nvPr/>
         </p:nvCxnSpPr>
         <p:spPr>
           <a:xfrm>
-            <a:off x="2695074" y="0"/>
-            <a:ext cx="0" cy="10125777"/>
+            <a:off x="2689039" y="309801"/>
+            <a:ext cx="0" cy="9424510"/>
           </a:xfrm>
           <a:prstGeom prst="line">
             <a:avLst/>
@@ -8676,13 +8688,15 @@
               </a:ext>
             </a:extLst>
           </p:cNvPr>
-          <p:cNvCxnSpPr/>
+          <p:cNvCxnSpPr>
+            <a:cxnSpLocks/>
+          </p:cNvCxnSpPr>
           <p:nvPr/>
         </p:nvCxnSpPr>
         <p:spPr>
           <a:xfrm>
-            <a:off x="5051659" y="-1600"/>
-            <a:ext cx="0" cy="10125777"/>
+            <a:off x="5051659" y="309801"/>
+            <a:ext cx="0" cy="9424510"/>
           </a:xfrm>
           <a:prstGeom prst="line">
             <a:avLst/>
@@ -8712,13 +8726,15 @@
               </a:ext>
             </a:extLst>
           </p:cNvPr>
-          <p:cNvCxnSpPr/>
+          <p:cNvCxnSpPr>
+            <a:cxnSpLocks/>
+          </p:cNvCxnSpPr>
           <p:nvPr/>
         </p:nvCxnSpPr>
         <p:spPr>
-          <a:xfrm>
-            <a:off x="-1" y="309802"/>
-            <a:ext cx="7775575" cy="0"/>
+          <a:xfrm flipV="1">
+            <a:off x="356135" y="309801"/>
+            <a:ext cx="7044087" cy="1"/>
           </a:xfrm>
           <a:prstGeom prst="line">
             <a:avLst/>
@@ -8760,8 +8776,8 @@
         </p:nvCxnSpPr>
         <p:spPr>
           <a:xfrm>
-            <a:off x="-68982" y="9734311"/>
-            <a:ext cx="7844556" cy="0"/>
+            <a:off x="356135" y="9734311"/>
+            <a:ext cx="7044087" cy="0"/>
           </a:xfrm>
           <a:prstGeom prst="line">
             <a:avLst/>
